--- a/5. Angular 11/Day 18/Slides/4. Introduction to Components/introduction-to-components-slides.pptx
+++ b/5. Angular 11/Day 18/Slides/4. Introduction to Components/introduction-to-components-slides.pptx
@@ -21019,10 +21019,10 @@
         </p:nvGrpSpPr>
         <p:grpSpPr>
           <a:xfrm>
-            <a:off x="3848101" y="7294200"/>
-            <a:ext cx="10800080" cy="2095500"/>
-            <a:chOff x="3848101" y="7294200"/>
-            <a:chExt cx="10800080" cy="2095500"/>
+            <a:off x="3852864" y="7298963"/>
+            <a:ext cx="10790555" cy="2085975"/>
+            <a:chOff x="3852864" y="7298963"/>
+            <a:chExt cx="10790555" cy="2085975"/>
           </a:xfrm>
         </p:grpSpPr>
         <p:pic>
@@ -21033,14 +21033,15 @@
           </p:nvPicPr>
           <p:blipFill>
             <a:blip r:embed="rId5" cstate="print"/>
+            <a:srcRect b="19024"/>
             <a:stretch>
               <a:fillRect/>
             </a:stretch>
           </p:blipFill>
           <p:spPr>
             <a:xfrm>
-              <a:off x="4162388" y="7379915"/>
-              <a:ext cx="10476189" cy="1761904"/>
+              <a:off x="4161790" y="7379335"/>
+              <a:ext cx="10476230" cy="1426900"/>
             </a:xfrm>
             <a:prstGeom prst="rect">
               <a:avLst/>
